--- a/ppt 16-9/1313.耶和华啊.pptx
+++ b/ppt 16-9/1313.耶和华啊.pptx
@@ -129,7 +129,7 @@
           <p:cNvPr id="2" name="标题 1">
             <a:extLst>
               <a:ext uri="{FF2B5EF4-FFF2-40B4-BE49-F238E27FC236}">
-                <a16:creationId xmlns:a16="http://schemas.microsoft.com/office/drawing/2014/main" id="{32A097F0-3DC1-48B0-C0B5-574F994F0D05}"/>
+                <a16:creationId xmlns:a16="http://schemas.microsoft.com/office/drawing/2014/main" id="{92C2D924-4FAF-D91F-6182-2F896CF4AA13}"/>
               </a:ext>
             </a:extLst>
           </p:cNvPr>
@@ -166,7 +166,7 @@
           <p:cNvPr id="3" name="副标题 2">
             <a:extLst>
               <a:ext uri="{FF2B5EF4-FFF2-40B4-BE49-F238E27FC236}">
-                <a16:creationId xmlns:a16="http://schemas.microsoft.com/office/drawing/2014/main" id="{609AAA71-2B2A-4D4F-A274-CE386532159C}"/>
+                <a16:creationId xmlns:a16="http://schemas.microsoft.com/office/drawing/2014/main" id="{E490DFDF-E3A3-C286-2D64-436D2B2F2EA4}"/>
               </a:ext>
             </a:extLst>
           </p:cNvPr>
@@ -236,7 +236,7 @@
           <p:cNvPr id="4" name="日期占位符 3">
             <a:extLst>
               <a:ext uri="{FF2B5EF4-FFF2-40B4-BE49-F238E27FC236}">
-                <a16:creationId xmlns:a16="http://schemas.microsoft.com/office/drawing/2014/main" id="{9E3D3FC2-D431-9192-36D6-F279F36BCC13}"/>
+                <a16:creationId xmlns:a16="http://schemas.microsoft.com/office/drawing/2014/main" id="{8C77CD15-0F4E-ABB0-40D5-74D717A6A7C0}"/>
               </a:ext>
             </a:extLst>
           </p:cNvPr>
@@ -252,7 +252,7 @@
           <a:bodyPr/>
           <a:lstStyle/>
           <a:p>
-            <a:fld id="{50F9DFA5-978F-458B-A6C4-4C8593E859B7}" type="datetimeFigureOut">
+            <a:fld id="{A2767F3D-54C1-4FFC-B0D8-18C57FCA6E0A}" type="datetimeFigureOut">
               <a:rPr lang="zh-CN" altLang="en-US" smtClean="0"/>
               <a:t>2024/3/10</a:t>
             </a:fld>
@@ -265,7 +265,7 @@
           <p:cNvPr id="5" name="页脚占位符 4">
             <a:extLst>
               <a:ext uri="{FF2B5EF4-FFF2-40B4-BE49-F238E27FC236}">
-                <a16:creationId xmlns:a16="http://schemas.microsoft.com/office/drawing/2014/main" id="{C20742FF-25A9-14BC-DC53-77519DAF6377}"/>
+                <a16:creationId xmlns:a16="http://schemas.microsoft.com/office/drawing/2014/main" id="{F28D26C1-E57D-8294-8A9D-CFF331DC7183}"/>
               </a:ext>
             </a:extLst>
           </p:cNvPr>
@@ -290,7 +290,7 @@
           <p:cNvPr id="6" name="灯片编号占位符 5">
             <a:extLst>
               <a:ext uri="{FF2B5EF4-FFF2-40B4-BE49-F238E27FC236}">
-                <a16:creationId xmlns:a16="http://schemas.microsoft.com/office/drawing/2014/main" id="{E4110A48-1A60-FE04-3CA6-D25043741A9D}"/>
+                <a16:creationId xmlns:a16="http://schemas.microsoft.com/office/drawing/2014/main" id="{E1F78EB8-6200-3625-A3C6-8BC08B630E3D}"/>
               </a:ext>
             </a:extLst>
           </p:cNvPr>
@@ -306,7 +306,7 @@
           <a:bodyPr/>
           <a:lstStyle/>
           <a:p>
-            <a:fld id="{1B7E287E-90F5-49F0-A079-8E81BD63012F}" type="slidenum">
+            <a:fld id="{8088F929-93A9-461D-820C-275122354563}" type="slidenum">
               <a:rPr lang="zh-CN" altLang="en-US" smtClean="0"/>
               <a:t>‹#›</a:t>
             </a:fld>
@@ -317,7 +317,7 @@
     </p:spTree>
     <p:extLst>
       <p:ext uri="{BB962C8B-B14F-4D97-AF65-F5344CB8AC3E}">
-        <p14:creationId xmlns:p14="http://schemas.microsoft.com/office/powerpoint/2010/main" val="1115657412"/>
+        <p14:creationId xmlns:p14="http://schemas.microsoft.com/office/powerpoint/2010/main" val="2438922139"/>
       </p:ext>
     </p:extLst>
   </p:cSld>
@@ -349,7 +349,7 @@
           <p:cNvPr id="2" name="标题 1">
             <a:extLst>
               <a:ext uri="{FF2B5EF4-FFF2-40B4-BE49-F238E27FC236}">
-                <a16:creationId xmlns:a16="http://schemas.microsoft.com/office/drawing/2014/main" id="{9CA21FC6-6BD2-D132-AA50-A516B44BDB06}"/>
+                <a16:creationId xmlns:a16="http://schemas.microsoft.com/office/drawing/2014/main" id="{78D365C6-7BA6-61C0-3CB9-1D4659AD26CF}"/>
               </a:ext>
             </a:extLst>
           </p:cNvPr>
@@ -377,7 +377,7 @@
           <p:cNvPr id="3" name="竖排文字占位符 2">
             <a:extLst>
               <a:ext uri="{FF2B5EF4-FFF2-40B4-BE49-F238E27FC236}">
-                <a16:creationId xmlns:a16="http://schemas.microsoft.com/office/drawing/2014/main" id="{002B01EB-A5F8-C184-A420-70448B06CFB7}"/>
+                <a16:creationId xmlns:a16="http://schemas.microsoft.com/office/drawing/2014/main" id="{1F364EF1-90C3-FAE3-8B67-CDC25D68C876}"/>
               </a:ext>
             </a:extLst>
           </p:cNvPr>
@@ -434,7 +434,7 @@
           <p:cNvPr id="4" name="日期占位符 3">
             <a:extLst>
               <a:ext uri="{FF2B5EF4-FFF2-40B4-BE49-F238E27FC236}">
-                <a16:creationId xmlns:a16="http://schemas.microsoft.com/office/drawing/2014/main" id="{13636ADA-D5DE-2B01-1300-AAE23DCA17B2}"/>
+                <a16:creationId xmlns:a16="http://schemas.microsoft.com/office/drawing/2014/main" id="{91D78D8B-9D8C-C158-D0B3-E345361C1480}"/>
               </a:ext>
             </a:extLst>
           </p:cNvPr>
@@ -450,7 +450,7 @@
           <a:bodyPr/>
           <a:lstStyle/>
           <a:p>
-            <a:fld id="{50F9DFA5-978F-458B-A6C4-4C8593E859B7}" type="datetimeFigureOut">
+            <a:fld id="{A2767F3D-54C1-4FFC-B0D8-18C57FCA6E0A}" type="datetimeFigureOut">
               <a:rPr lang="zh-CN" altLang="en-US" smtClean="0"/>
               <a:t>2024/3/10</a:t>
             </a:fld>
@@ -463,7 +463,7 @@
           <p:cNvPr id="5" name="页脚占位符 4">
             <a:extLst>
               <a:ext uri="{FF2B5EF4-FFF2-40B4-BE49-F238E27FC236}">
-                <a16:creationId xmlns:a16="http://schemas.microsoft.com/office/drawing/2014/main" id="{E9D30698-8071-14FD-FC20-579FB96D2F39}"/>
+                <a16:creationId xmlns:a16="http://schemas.microsoft.com/office/drawing/2014/main" id="{F706166F-B1AD-8DB4-DC54-084E063C8713}"/>
               </a:ext>
             </a:extLst>
           </p:cNvPr>
@@ -488,7 +488,7 @@
           <p:cNvPr id="6" name="灯片编号占位符 5">
             <a:extLst>
               <a:ext uri="{FF2B5EF4-FFF2-40B4-BE49-F238E27FC236}">
-                <a16:creationId xmlns:a16="http://schemas.microsoft.com/office/drawing/2014/main" id="{67D8DECF-A2A7-CA66-B089-50DC101A770F}"/>
+                <a16:creationId xmlns:a16="http://schemas.microsoft.com/office/drawing/2014/main" id="{533C83C9-673A-CCFA-6F8C-876AB2850456}"/>
               </a:ext>
             </a:extLst>
           </p:cNvPr>
@@ -504,7 +504,7 @@
           <a:bodyPr/>
           <a:lstStyle/>
           <a:p>
-            <a:fld id="{1B7E287E-90F5-49F0-A079-8E81BD63012F}" type="slidenum">
+            <a:fld id="{8088F929-93A9-461D-820C-275122354563}" type="slidenum">
               <a:rPr lang="zh-CN" altLang="en-US" smtClean="0"/>
               <a:t>‹#›</a:t>
             </a:fld>
@@ -515,7 +515,7 @@
     </p:spTree>
     <p:extLst>
       <p:ext uri="{BB962C8B-B14F-4D97-AF65-F5344CB8AC3E}">
-        <p14:creationId xmlns:p14="http://schemas.microsoft.com/office/powerpoint/2010/main" val="3271563660"/>
+        <p14:creationId xmlns:p14="http://schemas.microsoft.com/office/powerpoint/2010/main" val="2194215265"/>
       </p:ext>
     </p:extLst>
   </p:cSld>
@@ -547,7 +547,7 @@
           <p:cNvPr id="2" name="竖排标题 1">
             <a:extLst>
               <a:ext uri="{FF2B5EF4-FFF2-40B4-BE49-F238E27FC236}">
-                <a16:creationId xmlns:a16="http://schemas.microsoft.com/office/drawing/2014/main" id="{6EA828F2-64C1-C198-996B-07102876B6E7}"/>
+                <a16:creationId xmlns:a16="http://schemas.microsoft.com/office/drawing/2014/main" id="{8F656129-843C-9155-E7DD-A65650A5535B}"/>
               </a:ext>
             </a:extLst>
           </p:cNvPr>
@@ -580,7 +580,7 @@
           <p:cNvPr id="3" name="竖排文字占位符 2">
             <a:extLst>
               <a:ext uri="{FF2B5EF4-FFF2-40B4-BE49-F238E27FC236}">
-                <a16:creationId xmlns:a16="http://schemas.microsoft.com/office/drawing/2014/main" id="{F32FF495-02B9-E6F6-AF29-4A5EAEB32114}"/>
+                <a16:creationId xmlns:a16="http://schemas.microsoft.com/office/drawing/2014/main" id="{F4F9D5DF-EB32-E6A3-A82B-4F859D5F53FF}"/>
               </a:ext>
             </a:extLst>
           </p:cNvPr>
@@ -642,7 +642,7 @@
           <p:cNvPr id="4" name="日期占位符 3">
             <a:extLst>
               <a:ext uri="{FF2B5EF4-FFF2-40B4-BE49-F238E27FC236}">
-                <a16:creationId xmlns:a16="http://schemas.microsoft.com/office/drawing/2014/main" id="{F15A2B2E-13BA-1E2D-97C7-9EEEBF3D0E92}"/>
+                <a16:creationId xmlns:a16="http://schemas.microsoft.com/office/drawing/2014/main" id="{5D7D776E-D25A-63AC-1924-6D1E5F4229AC}"/>
               </a:ext>
             </a:extLst>
           </p:cNvPr>
@@ -658,7 +658,7 @@
           <a:bodyPr/>
           <a:lstStyle/>
           <a:p>
-            <a:fld id="{50F9DFA5-978F-458B-A6C4-4C8593E859B7}" type="datetimeFigureOut">
+            <a:fld id="{A2767F3D-54C1-4FFC-B0D8-18C57FCA6E0A}" type="datetimeFigureOut">
               <a:rPr lang="zh-CN" altLang="en-US" smtClean="0"/>
               <a:t>2024/3/10</a:t>
             </a:fld>
@@ -671,7 +671,7 @@
           <p:cNvPr id="5" name="页脚占位符 4">
             <a:extLst>
               <a:ext uri="{FF2B5EF4-FFF2-40B4-BE49-F238E27FC236}">
-                <a16:creationId xmlns:a16="http://schemas.microsoft.com/office/drawing/2014/main" id="{DBAC7F72-833A-A6BE-7692-2E3F2EA7A923}"/>
+                <a16:creationId xmlns:a16="http://schemas.microsoft.com/office/drawing/2014/main" id="{6143D2E8-7603-13B2-54DA-B7FB8C6058A2}"/>
               </a:ext>
             </a:extLst>
           </p:cNvPr>
@@ -696,7 +696,7 @@
           <p:cNvPr id="6" name="灯片编号占位符 5">
             <a:extLst>
               <a:ext uri="{FF2B5EF4-FFF2-40B4-BE49-F238E27FC236}">
-                <a16:creationId xmlns:a16="http://schemas.microsoft.com/office/drawing/2014/main" id="{4E346B25-3854-490F-8FA5-CB46B8ACD99C}"/>
+                <a16:creationId xmlns:a16="http://schemas.microsoft.com/office/drawing/2014/main" id="{B9403266-BC4E-80FF-3752-D41CC3BCDD87}"/>
               </a:ext>
             </a:extLst>
           </p:cNvPr>
@@ -712,7 +712,7 @@
           <a:bodyPr/>
           <a:lstStyle/>
           <a:p>
-            <a:fld id="{1B7E287E-90F5-49F0-A079-8E81BD63012F}" type="slidenum">
+            <a:fld id="{8088F929-93A9-461D-820C-275122354563}" type="slidenum">
               <a:rPr lang="zh-CN" altLang="en-US" smtClean="0"/>
               <a:t>‹#›</a:t>
             </a:fld>
@@ -723,7 +723,7 @@
     </p:spTree>
     <p:extLst>
       <p:ext uri="{BB962C8B-B14F-4D97-AF65-F5344CB8AC3E}">
-        <p14:creationId xmlns:p14="http://schemas.microsoft.com/office/powerpoint/2010/main" val="2064296877"/>
+        <p14:creationId xmlns:p14="http://schemas.microsoft.com/office/powerpoint/2010/main" val="2212397477"/>
       </p:ext>
     </p:extLst>
   </p:cSld>
@@ -755,7 +755,7 @@
           <p:cNvPr id="2" name="标题 1">
             <a:extLst>
               <a:ext uri="{FF2B5EF4-FFF2-40B4-BE49-F238E27FC236}">
-                <a16:creationId xmlns:a16="http://schemas.microsoft.com/office/drawing/2014/main" id="{17F32C16-E73C-2BA1-F967-85707EEE2B57}"/>
+                <a16:creationId xmlns:a16="http://schemas.microsoft.com/office/drawing/2014/main" id="{3C68CC43-11F9-38A5-C1BD-9BD4636DB844}"/>
               </a:ext>
             </a:extLst>
           </p:cNvPr>
@@ -783,7 +783,7 @@
           <p:cNvPr id="3" name="内容占位符 2">
             <a:extLst>
               <a:ext uri="{FF2B5EF4-FFF2-40B4-BE49-F238E27FC236}">
-                <a16:creationId xmlns:a16="http://schemas.microsoft.com/office/drawing/2014/main" id="{540BFD7E-5F95-8D25-5CE0-AE9543D82F54}"/>
+                <a16:creationId xmlns:a16="http://schemas.microsoft.com/office/drawing/2014/main" id="{B57890AD-D3F2-1799-4424-738729FCAEDC}"/>
               </a:ext>
             </a:extLst>
           </p:cNvPr>
@@ -840,7 +840,7 @@
           <p:cNvPr id="4" name="日期占位符 3">
             <a:extLst>
               <a:ext uri="{FF2B5EF4-FFF2-40B4-BE49-F238E27FC236}">
-                <a16:creationId xmlns:a16="http://schemas.microsoft.com/office/drawing/2014/main" id="{A49A2015-3118-5278-3AFF-FCD974DD851B}"/>
+                <a16:creationId xmlns:a16="http://schemas.microsoft.com/office/drawing/2014/main" id="{CB6D45A8-D91B-D84C-AC22-B1BE30937D07}"/>
               </a:ext>
             </a:extLst>
           </p:cNvPr>
@@ -856,7 +856,7 @@
           <a:bodyPr/>
           <a:lstStyle/>
           <a:p>
-            <a:fld id="{50F9DFA5-978F-458B-A6C4-4C8593E859B7}" type="datetimeFigureOut">
+            <a:fld id="{A2767F3D-54C1-4FFC-B0D8-18C57FCA6E0A}" type="datetimeFigureOut">
               <a:rPr lang="zh-CN" altLang="en-US" smtClean="0"/>
               <a:t>2024/3/10</a:t>
             </a:fld>
@@ -869,7 +869,7 @@
           <p:cNvPr id="5" name="页脚占位符 4">
             <a:extLst>
               <a:ext uri="{FF2B5EF4-FFF2-40B4-BE49-F238E27FC236}">
-                <a16:creationId xmlns:a16="http://schemas.microsoft.com/office/drawing/2014/main" id="{366857C5-87B1-0B2A-D29A-887DEDD54479}"/>
+                <a16:creationId xmlns:a16="http://schemas.microsoft.com/office/drawing/2014/main" id="{3683EE7A-7724-56F5-A031-6D6BE515A4CC}"/>
               </a:ext>
             </a:extLst>
           </p:cNvPr>
@@ -894,7 +894,7 @@
           <p:cNvPr id="6" name="灯片编号占位符 5">
             <a:extLst>
               <a:ext uri="{FF2B5EF4-FFF2-40B4-BE49-F238E27FC236}">
-                <a16:creationId xmlns:a16="http://schemas.microsoft.com/office/drawing/2014/main" id="{1C6D8A77-7E75-45BF-D99D-56B53EE798FC}"/>
+                <a16:creationId xmlns:a16="http://schemas.microsoft.com/office/drawing/2014/main" id="{CA2A65A0-F98C-0A9E-E186-A8D55AE3856F}"/>
               </a:ext>
             </a:extLst>
           </p:cNvPr>
@@ -910,7 +910,7 @@
           <a:bodyPr/>
           <a:lstStyle/>
           <a:p>
-            <a:fld id="{1B7E287E-90F5-49F0-A079-8E81BD63012F}" type="slidenum">
+            <a:fld id="{8088F929-93A9-461D-820C-275122354563}" type="slidenum">
               <a:rPr lang="zh-CN" altLang="en-US" smtClean="0"/>
               <a:t>‹#›</a:t>
             </a:fld>
@@ -921,7 +921,7 @@
     </p:spTree>
     <p:extLst>
       <p:ext uri="{BB962C8B-B14F-4D97-AF65-F5344CB8AC3E}">
-        <p14:creationId xmlns:p14="http://schemas.microsoft.com/office/powerpoint/2010/main" val="746402683"/>
+        <p14:creationId xmlns:p14="http://schemas.microsoft.com/office/powerpoint/2010/main" val="1750314846"/>
       </p:ext>
     </p:extLst>
   </p:cSld>
@@ -953,7 +953,7 @@
           <p:cNvPr id="2" name="标题 1">
             <a:extLst>
               <a:ext uri="{FF2B5EF4-FFF2-40B4-BE49-F238E27FC236}">
-                <a16:creationId xmlns:a16="http://schemas.microsoft.com/office/drawing/2014/main" id="{BF09D883-A046-EC97-8D2C-CECD9512945A}"/>
+                <a16:creationId xmlns:a16="http://schemas.microsoft.com/office/drawing/2014/main" id="{93C0DF28-420B-749E-9C2E-29D660295CF8}"/>
               </a:ext>
             </a:extLst>
           </p:cNvPr>
@@ -990,7 +990,7 @@
           <p:cNvPr id="3" name="文本占位符 2">
             <a:extLst>
               <a:ext uri="{FF2B5EF4-FFF2-40B4-BE49-F238E27FC236}">
-                <a16:creationId xmlns:a16="http://schemas.microsoft.com/office/drawing/2014/main" id="{95B7FB40-90E8-4870-6305-CF036D77725E}"/>
+                <a16:creationId xmlns:a16="http://schemas.microsoft.com/office/drawing/2014/main" id="{661E8AA0-F308-8611-DA1C-4F63BBE61984}"/>
               </a:ext>
             </a:extLst>
           </p:cNvPr>
@@ -1115,7 +1115,7 @@
           <p:cNvPr id="4" name="日期占位符 3">
             <a:extLst>
               <a:ext uri="{FF2B5EF4-FFF2-40B4-BE49-F238E27FC236}">
-                <a16:creationId xmlns:a16="http://schemas.microsoft.com/office/drawing/2014/main" id="{2A8F1ED6-0C4A-77E7-9CCE-6F15A93C139C}"/>
+                <a16:creationId xmlns:a16="http://schemas.microsoft.com/office/drawing/2014/main" id="{21F60120-FE1B-98B5-49C4-FB7F9716AB1A}"/>
               </a:ext>
             </a:extLst>
           </p:cNvPr>
@@ -1131,7 +1131,7 @@
           <a:bodyPr/>
           <a:lstStyle/>
           <a:p>
-            <a:fld id="{50F9DFA5-978F-458B-A6C4-4C8593E859B7}" type="datetimeFigureOut">
+            <a:fld id="{A2767F3D-54C1-4FFC-B0D8-18C57FCA6E0A}" type="datetimeFigureOut">
               <a:rPr lang="zh-CN" altLang="en-US" smtClean="0"/>
               <a:t>2024/3/10</a:t>
             </a:fld>
@@ -1144,7 +1144,7 @@
           <p:cNvPr id="5" name="页脚占位符 4">
             <a:extLst>
               <a:ext uri="{FF2B5EF4-FFF2-40B4-BE49-F238E27FC236}">
-                <a16:creationId xmlns:a16="http://schemas.microsoft.com/office/drawing/2014/main" id="{CDD4655E-6785-BDD2-A0E6-34F5BD3E82C4}"/>
+                <a16:creationId xmlns:a16="http://schemas.microsoft.com/office/drawing/2014/main" id="{0FF7A895-9A16-B51C-2BC2-6C07517B3EC9}"/>
               </a:ext>
             </a:extLst>
           </p:cNvPr>
@@ -1169,7 +1169,7 @@
           <p:cNvPr id="6" name="灯片编号占位符 5">
             <a:extLst>
               <a:ext uri="{FF2B5EF4-FFF2-40B4-BE49-F238E27FC236}">
-                <a16:creationId xmlns:a16="http://schemas.microsoft.com/office/drawing/2014/main" id="{287C377A-645A-AFD2-5DB0-7EDE61056292}"/>
+                <a16:creationId xmlns:a16="http://schemas.microsoft.com/office/drawing/2014/main" id="{24A76F65-1AD3-CABC-3E99-A94012F283AC}"/>
               </a:ext>
             </a:extLst>
           </p:cNvPr>
@@ -1185,7 +1185,7 @@
           <a:bodyPr/>
           <a:lstStyle/>
           <a:p>
-            <a:fld id="{1B7E287E-90F5-49F0-A079-8E81BD63012F}" type="slidenum">
+            <a:fld id="{8088F929-93A9-461D-820C-275122354563}" type="slidenum">
               <a:rPr lang="zh-CN" altLang="en-US" smtClean="0"/>
               <a:t>‹#›</a:t>
             </a:fld>
@@ -1196,7 +1196,7 @@
     </p:spTree>
     <p:extLst>
       <p:ext uri="{BB962C8B-B14F-4D97-AF65-F5344CB8AC3E}">
-        <p14:creationId xmlns:p14="http://schemas.microsoft.com/office/powerpoint/2010/main" val="1358067957"/>
+        <p14:creationId xmlns:p14="http://schemas.microsoft.com/office/powerpoint/2010/main" val="156967725"/>
       </p:ext>
     </p:extLst>
   </p:cSld>
@@ -1228,7 +1228,7 @@
           <p:cNvPr id="2" name="标题 1">
             <a:extLst>
               <a:ext uri="{FF2B5EF4-FFF2-40B4-BE49-F238E27FC236}">
-                <a16:creationId xmlns:a16="http://schemas.microsoft.com/office/drawing/2014/main" id="{46205273-169B-9D03-2AF8-BF854206E9C9}"/>
+                <a16:creationId xmlns:a16="http://schemas.microsoft.com/office/drawing/2014/main" id="{CA773571-D445-BE2D-0724-4C400AE9ECE3}"/>
               </a:ext>
             </a:extLst>
           </p:cNvPr>
@@ -1256,7 +1256,7 @@
           <p:cNvPr id="3" name="内容占位符 2">
             <a:extLst>
               <a:ext uri="{FF2B5EF4-FFF2-40B4-BE49-F238E27FC236}">
-                <a16:creationId xmlns:a16="http://schemas.microsoft.com/office/drawing/2014/main" id="{D26E15FF-7E9E-41BB-D054-00327F85E3B5}"/>
+                <a16:creationId xmlns:a16="http://schemas.microsoft.com/office/drawing/2014/main" id="{7F1636E0-AB68-A1CF-6D48-5A3B81BFEA9E}"/>
               </a:ext>
             </a:extLst>
           </p:cNvPr>
@@ -1318,7 +1318,7 @@
           <p:cNvPr id="4" name="内容占位符 3">
             <a:extLst>
               <a:ext uri="{FF2B5EF4-FFF2-40B4-BE49-F238E27FC236}">
-                <a16:creationId xmlns:a16="http://schemas.microsoft.com/office/drawing/2014/main" id="{37EEA0E2-9E62-C04D-1783-BF0932691F00}"/>
+                <a16:creationId xmlns:a16="http://schemas.microsoft.com/office/drawing/2014/main" id="{BD2625A2-C659-B94C-B10E-C31544D08E5D}"/>
               </a:ext>
             </a:extLst>
           </p:cNvPr>
@@ -1380,7 +1380,7 @@
           <p:cNvPr id="5" name="日期占位符 4">
             <a:extLst>
               <a:ext uri="{FF2B5EF4-FFF2-40B4-BE49-F238E27FC236}">
-                <a16:creationId xmlns:a16="http://schemas.microsoft.com/office/drawing/2014/main" id="{64EC9022-61E3-0C4A-51ED-2F896DBDC113}"/>
+                <a16:creationId xmlns:a16="http://schemas.microsoft.com/office/drawing/2014/main" id="{12E6245C-29CC-6569-C118-195DFEF56157}"/>
               </a:ext>
             </a:extLst>
           </p:cNvPr>
@@ -1396,7 +1396,7 @@
           <a:bodyPr/>
           <a:lstStyle/>
           <a:p>
-            <a:fld id="{50F9DFA5-978F-458B-A6C4-4C8593E859B7}" type="datetimeFigureOut">
+            <a:fld id="{A2767F3D-54C1-4FFC-B0D8-18C57FCA6E0A}" type="datetimeFigureOut">
               <a:rPr lang="zh-CN" altLang="en-US" smtClean="0"/>
               <a:t>2024/3/10</a:t>
             </a:fld>
@@ -1409,7 +1409,7 @@
           <p:cNvPr id="6" name="页脚占位符 5">
             <a:extLst>
               <a:ext uri="{FF2B5EF4-FFF2-40B4-BE49-F238E27FC236}">
-                <a16:creationId xmlns:a16="http://schemas.microsoft.com/office/drawing/2014/main" id="{1D93842F-41F5-24A8-718E-3091C55896B3}"/>
+                <a16:creationId xmlns:a16="http://schemas.microsoft.com/office/drawing/2014/main" id="{FA05409E-144B-D736-A039-61C9E66E79BC}"/>
               </a:ext>
             </a:extLst>
           </p:cNvPr>
@@ -1434,7 +1434,7 @@
           <p:cNvPr id="7" name="灯片编号占位符 6">
             <a:extLst>
               <a:ext uri="{FF2B5EF4-FFF2-40B4-BE49-F238E27FC236}">
-                <a16:creationId xmlns:a16="http://schemas.microsoft.com/office/drawing/2014/main" id="{A4917168-DAB4-4610-C835-7C94406FB264}"/>
+                <a16:creationId xmlns:a16="http://schemas.microsoft.com/office/drawing/2014/main" id="{1E3445D9-272F-7F11-E10F-61D9965B1CEA}"/>
               </a:ext>
             </a:extLst>
           </p:cNvPr>
@@ -1450,7 +1450,7 @@
           <a:bodyPr/>
           <a:lstStyle/>
           <a:p>
-            <a:fld id="{1B7E287E-90F5-49F0-A079-8E81BD63012F}" type="slidenum">
+            <a:fld id="{8088F929-93A9-461D-820C-275122354563}" type="slidenum">
               <a:rPr lang="zh-CN" altLang="en-US" smtClean="0"/>
               <a:t>‹#›</a:t>
             </a:fld>
@@ -1461,7 +1461,7 @@
     </p:spTree>
     <p:extLst>
       <p:ext uri="{BB962C8B-B14F-4D97-AF65-F5344CB8AC3E}">
-        <p14:creationId xmlns:p14="http://schemas.microsoft.com/office/powerpoint/2010/main" val="2373828756"/>
+        <p14:creationId xmlns:p14="http://schemas.microsoft.com/office/powerpoint/2010/main" val="4008442663"/>
       </p:ext>
     </p:extLst>
   </p:cSld>
@@ -1493,7 +1493,7 @@
           <p:cNvPr id="2" name="标题 1">
             <a:extLst>
               <a:ext uri="{FF2B5EF4-FFF2-40B4-BE49-F238E27FC236}">
-                <a16:creationId xmlns:a16="http://schemas.microsoft.com/office/drawing/2014/main" id="{0312C942-04B9-0313-B0AC-21E22A8198A8}"/>
+                <a16:creationId xmlns:a16="http://schemas.microsoft.com/office/drawing/2014/main" id="{9474D001-4304-E086-308B-C618D1C1191A}"/>
               </a:ext>
             </a:extLst>
           </p:cNvPr>
@@ -1526,7 +1526,7 @@
           <p:cNvPr id="3" name="文本占位符 2">
             <a:extLst>
               <a:ext uri="{FF2B5EF4-FFF2-40B4-BE49-F238E27FC236}">
-                <a16:creationId xmlns:a16="http://schemas.microsoft.com/office/drawing/2014/main" id="{4CD9D444-EB7A-A974-45A9-81D1655A70D5}"/>
+                <a16:creationId xmlns:a16="http://schemas.microsoft.com/office/drawing/2014/main" id="{3BF210B5-B7FB-4B21-2F93-9BD5A7927EF5}"/>
               </a:ext>
             </a:extLst>
           </p:cNvPr>
@@ -1597,7 +1597,7 @@
           <p:cNvPr id="4" name="内容占位符 3">
             <a:extLst>
               <a:ext uri="{FF2B5EF4-FFF2-40B4-BE49-F238E27FC236}">
-                <a16:creationId xmlns:a16="http://schemas.microsoft.com/office/drawing/2014/main" id="{5756804C-3059-5B52-2BE4-DD4E292E2FFD}"/>
+                <a16:creationId xmlns:a16="http://schemas.microsoft.com/office/drawing/2014/main" id="{05F1C04D-2D0E-12F4-7FE8-07E4A719797A}"/>
               </a:ext>
             </a:extLst>
           </p:cNvPr>
@@ -1659,7 +1659,7 @@
           <p:cNvPr id="5" name="文本占位符 4">
             <a:extLst>
               <a:ext uri="{FF2B5EF4-FFF2-40B4-BE49-F238E27FC236}">
-                <a16:creationId xmlns:a16="http://schemas.microsoft.com/office/drawing/2014/main" id="{10AB0886-701F-7233-7EF6-A3B96BC5299F}"/>
+                <a16:creationId xmlns:a16="http://schemas.microsoft.com/office/drawing/2014/main" id="{32DC8FA5-D0BC-1A0D-CF5D-5B03710AAB8F}"/>
               </a:ext>
             </a:extLst>
           </p:cNvPr>
@@ -1730,7 +1730,7 @@
           <p:cNvPr id="6" name="内容占位符 5">
             <a:extLst>
               <a:ext uri="{FF2B5EF4-FFF2-40B4-BE49-F238E27FC236}">
-                <a16:creationId xmlns:a16="http://schemas.microsoft.com/office/drawing/2014/main" id="{80F5129F-A8CA-4B1B-8295-1349FF252370}"/>
+                <a16:creationId xmlns:a16="http://schemas.microsoft.com/office/drawing/2014/main" id="{B13BCD71-A22A-E23D-5268-DE2BFD333968}"/>
               </a:ext>
             </a:extLst>
           </p:cNvPr>
@@ -1792,7 +1792,7 @@
           <p:cNvPr id="7" name="日期占位符 6">
             <a:extLst>
               <a:ext uri="{FF2B5EF4-FFF2-40B4-BE49-F238E27FC236}">
-                <a16:creationId xmlns:a16="http://schemas.microsoft.com/office/drawing/2014/main" id="{29DCE3B9-6933-E490-F1D3-21F489B3E22B}"/>
+                <a16:creationId xmlns:a16="http://schemas.microsoft.com/office/drawing/2014/main" id="{2229F1E7-2364-CF58-F83A-8B26BDBF4D7B}"/>
               </a:ext>
             </a:extLst>
           </p:cNvPr>
@@ -1808,7 +1808,7 @@
           <a:bodyPr/>
           <a:lstStyle/>
           <a:p>
-            <a:fld id="{50F9DFA5-978F-458B-A6C4-4C8593E859B7}" type="datetimeFigureOut">
+            <a:fld id="{A2767F3D-54C1-4FFC-B0D8-18C57FCA6E0A}" type="datetimeFigureOut">
               <a:rPr lang="zh-CN" altLang="en-US" smtClean="0"/>
               <a:t>2024/3/10</a:t>
             </a:fld>
@@ -1821,7 +1821,7 @@
           <p:cNvPr id="8" name="页脚占位符 7">
             <a:extLst>
               <a:ext uri="{FF2B5EF4-FFF2-40B4-BE49-F238E27FC236}">
-                <a16:creationId xmlns:a16="http://schemas.microsoft.com/office/drawing/2014/main" id="{A59FDA5D-6455-B293-5D96-08EE9235EC32}"/>
+                <a16:creationId xmlns:a16="http://schemas.microsoft.com/office/drawing/2014/main" id="{D2FFA729-9BA7-171C-C69F-4E9EE6BD8877}"/>
               </a:ext>
             </a:extLst>
           </p:cNvPr>
@@ -1846,7 +1846,7 @@
           <p:cNvPr id="9" name="灯片编号占位符 8">
             <a:extLst>
               <a:ext uri="{FF2B5EF4-FFF2-40B4-BE49-F238E27FC236}">
-                <a16:creationId xmlns:a16="http://schemas.microsoft.com/office/drawing/2014/main" id="{DAF0CDE4-19D9-98FD-BF72-094A1AB7866E}"/>
+                <a16:creationId xmlns:a16="http://schemas.microsoft.com/office/drawing/2014/main" id="{943DA6BC-EBBA-75AD-88EE-6D537F4FF703}"/>
               </a:ext>
             </a:extLst>
           </p:cNvPr>
@@ -1862,7 +1862,7 @@
           <a:bodyPr/>
           <a:lstStyle/>
           <a:p>
-            <a:fld id="{1B7E287E-90F5-49F0-A079-8E81BD63012F}" type="slidenum">
+            <a:fld id="{8088F929-93A9-461D-820C-275122354563}" type="slidenum">
               <a:rPr lang="zh-CN" altLang="en-US" smtClean="0"/>
               <a:t>‹#›</a:t>
             </a:fld>
@@ -1873,7 +1873,7 @@
     </p:spTree>
     <p:extLst>
       <p:ext uri="{BB962C8B-B14F-4D97-AF65-F5344CB8AC3E}">
-        <p14:creationId xmlns:p14="http://schemas.microsoft.com/office/powerpoint/2010/main" val="698812059"/>
+        <p14:creationId xmlns:p14="http://schemas.microsoft.com/office/powerpoint/2010/main" val="2033369077"/>
       </p:ext>
     </p:extLst>
   </p:cSld>
@@ -1905,7 +1905,7 @@
           <p:cNvPr id="2" name="标题 1">
             <a:extLst>
               <a:ext uri="{FF2B5EF4-FFF2-40B4-BE49-F238E27FC236}">
-                <a16:creationId xmlns:a16="http://schemas.microsoft.com/office/drawing/2014/main" id="{ABA8BA1A-217F-0482-9602-C0D359CE3AD6}"/>
+                <a16:creationId xmlns:a16="http://schemas.microsoft.com/office/drawing/2014/main" id="{5C4000A6-8246-A87B-1ABE-87DFED3B20C8}"/>
               </a:ext>
             </a:extLst>
           </p:cNvPr>
@@ -1933,7 +1933,7 @@
           <p:cNvPr id="3" name="日期占位符 2">
             <a:extLst>
               <a:ext uri="{FF2B5EF4-FFF2-40B4-BE49-F238E27FC236}">
-                <a16:creationId xmlns:a16="http://schemas.microsoft.com/office/drawing/2014/main" id="{7E669A05-8996-8684-6805-9F8CFC97C0EA}"/>
+                <a16:creationId xmlns:a16="http://schemas.microsoft.com/office/drawing/2014/main" id="{5403DFF3-3997-30B7-2F99-87ED3C21B781}"/>
               </a:ext>
             </a:extLst>
           </p:cNvPr>
@@ -1949,7 +1949,7 @@
           <a:bodyPr/>
           <a:lstStyle/>
           <a:p>
-            <a:fld id="{50F9DFA5-978F-458B-A6C4-4C8593E859B7}" type="datetimeFigureOut">
+            <a:fld id="{A2767F3D-54C1-4FFC-B0D8-18C57FCA6E0A}" type="datetimeFigureOut">
               <a:rPr lang="zh-CN" altLang="en-US" smtClean="0"/>
               <a:t>2024/3/10</a:t>
             </a:fld>
@@ -1962,7 +1962,7 @@
           <p:cNvPr id="4" name="页脚占位符 3">
             <a:extLst>
               <a:ext uri="{FF2B5EF4-FFF2-40B4-BE49-F238E27FC236}">
-                <a16:creationId xmlns:a16="http://schemas.microsoft.com/office/drawing/2014/main" id="{9B6C4740-4F96-65F8-6E99-03CB9BE8A551}"/>
+                <a16:creationId xmlns:a16="http://schemas.microsoft.com/office/drawing/2014/main" id="{12838F1A-BF6B-0DC0-F91C-990732B61621}"/>
               </a:ext>
             </a:extLst>
           </p:cNvPr>
@@ -1987,7 +1987,7 @@
           <p:cNvPr id="5" name="灯片编号占位符 4">
             <a:extLst>
               <a:ext uri="{FF2B5EF4-FFF2-40B4-BE49-F238E27FC236}">
-                <a16:creationId xmlns:a16="http://schemas.microsoft.com/office/drawing/2014/main" id="{34E06DC0-8302-1041-2F4F-21955397A7E8}"/>
+                <a16:creationId xmlns:a16="http://schemas.microsoft.com/office/drawing/2014/main" id="{EB38D750-D83A-E0D7-030B-C39E5813AD1A}"/>
               </a:ext>
             </a:extLst>
           </p:cNvPr>
@@ -2003,7 +2003,7 @@
           <a:bodyPr/>
           <a:lstStyle/>
           <a:p>
-            <a:fld id="{1B7E287E-90F5-49F0-A079-8E81BD63012F}" type="slidenum">
+            <a:fld id="{8088F929-93A9-461D-820C-275122354563}" type="slidenum">
               <a:rPr lang="zh-CN" altLang="en-US" smtClean="0"/>
               <a:t>‹#›</a:t>
             </a:fld>
@@ -2014,7 +2014,7 @@
     </p:spTree>
     <p:extLst>
       <p:ext uri="{BB962C8B-B14F-4D97-AF65-F5344CB8AC3E}">
-        <p14:creationId xmlns:p14="http://schemas.microsoft.com/office/powerpoint/2010/main" val="3587183819"/>
+        <p14:creationId xmlns:p14="http://schemas.microsoft.com/office/powerpoint/2010/main" val="1351318569"/>
       </p:ext>
     </p:extLst>
   </p:cSld>
@@ -2046,7 +2046,7 @@
           <p:cNvPr id="2" name="日期占位符 1">
             <a:extLst>
               <a:ext uri="{FF2B5EF4-FFF2-40B4-BE49-F238E27FC236}">
-                <a16:creationId xmlns:a16="http://schemas.microsoft.com/office/drawing/2014/main" id="{BAE99764-730E-DD1D-93A3-D33AD3E40D9A}"/>
+                <a16:creationId xmlns:a16="http://schemas.microsoft.com/office/drawing/2014/main" id="{C4392734-E62D-130A-D5AE-299E86416D46}"/>
               </a:ext>
             </a:extLst>
           </p:cNvPr>
@@ -2062,7 +2062,7 @@
           <a:bodyPr/>
           <a:lstStyle/>
           <a:p>
-            <a:fld id="{50F9DFA5-978F-458B-A6C4-4C8593E859B7}" type="datetimeFigureOut">
+            <a:fld id="{A2767F3D-54C1-4FFC-B0D8-18C57FCA6E0A}" type="datetimeFigureOut">
               <a:rPr lang="zh-CN" altLang="en-US" smtClean="0"/>
               <a:t>2024/3/10</a:t>
             </a:fld>
@@ -2075,7 +2075,7 @@
           <p:cNvPr id="3" name="页脚占位符 2">
             <a:extLst>
               <a:ext uri="{FF2B5EF4-FFF2-40B4-BE49-F238E27FC236}">
-                <a16:creationId xmlns:a16="http://schemas.microsoft.com/office/drawing/2014/main" id="{341E1792-725C-CE65-DF0A-6F6D4C29E6A0}"/>
+                <a16:creationId xmlns:a16="http://schemas.microsoft.com/office/drawing/2014/main" id="{6559103A-B564-D208-EDC9-ED5ED7730DE1}"/>
               </a:ext>
             </a:extLst>
           </p:cNvPr>
@@ -2100,7 +2100,7 @@
           <p:cNvPr id="4" name="灯片编号占位符 3">
             <a:extLst>
               <a:ext uri="{FF2B5EF4-FFF2-40B4-BE49-F238E27FC236}">
-                <a16:creationId xmlns:a16="http://schemas.microsoft.com/office/drawing/2014/main" id="{3F4FD66D-719B-9A61-AF71-7F2C78B34F53}"/>
+                <a16:creationId xmlns:a16="http://schemas.microsoft.com/office/drawing/2014/main" id="{06ADBC1F-DA24-27FE-66BD-44AAE3A84595}"/>
               </a:ext>
             </a:extLst>
           </p:cNvPr>
@@ -2116,7 +2116,7 @@
           <a:bodyPr/>
           <a:lstStyle/>
           <a:p>
-            <a:fld id="{1B7E287E-90F5-49F0-A079-8E81BD63012F}" type="slidenum">
+            <a:fld id="{8088F929-93A9-461D-820C-275122354563}" type="slidenum">
               <a:rPr lang="zh-CN" altLang="en-US" smtClean="0"/>
               <a:t>‹#›</a:t>
             </a:fld>
@@ -2127,7 +2127,7 @@
     </p:spTree>
     <p:extLst>
       <p:ext uri="{BB962C8B-B14F-4D97-AF65-F5344CB8AC3E}">
-        <p14:creationId xmlns:p14="http://schemas.microsoft.com/office/powerpoint/2010/main" val="1453669603"/>
+        <p14:creationId xmlns:p14="http://schemas.microsoft.com/office/powerpoint/2010/main" val="2892041772"/>
       </p:ext>
     </p:extLst>
   </p:cSld>
@@ -2159,7 +2159,7 @@
           <p:cNvPr id="2" name="标题 1">
             <a:extLst>
               <a:ext uri="{FF2B5EF4-FFF2-40B4-BE49-F238E27FC236}">
-                <a16:creationId xmlns:a16="http://schemas.microsoft.com/office/drawing/2014/main" id="{4C722F14-D290-0CB3-12FC-8E23957513EB}"/>
+                <a16:creationId xmlns:a16="http://schemas.microsoft.com/office/drawing/2014/main" id="{65DF8E33-5B58-E76B-E4A7-77B40821B3BE}"/>
               </a:ext>
             </a:extLst>
           </p:cNvPr>
@@ -2196,7 +2196,7 @@
           <p:cNvPr id="3" name="内容占位符 2">
             <a:extLst>
               <a:ext uri="{FF2B5EF4-FFF2-40B4-BE49-F238E27FC236}">
-                <a16:creationId xmlns:a16="http://schemas.microsoft.com/office/drawing/2014/main" id="{E97ECC73-9283-1FF1-0BA4-2582E4B0D42A}"/>
+                <a16:creationId xmlns:a16="http://schemas.microsoft.com/office/drawing/2014/main" id="{9EFA8273-22A3-55E8-2512-CA21A8B58421}"/>
               </a:ext>
             </a:extLst>
           </p:cNvPr>
@@ -2286,7 +2286,7 @@
           <p:cNvPr id="4" name="文本占位符 3">
             <a:extLst>
               <a:ext uri="{FF2B5EF4-FFF2-40B4-BE49-F238E27FC236}">
-                <a16:creationId xmlns:a16="http://schemas.microsoft.com/office/drawing/2014/main" id="{5133E8BB-CCAA-0264-5438-320165A066C4}"/>
+                <a16:creationId xmlns:a16="http://schemas.microsoft.com/office/drawing/2014/main" id="{177415DC-CF1F-9216-9222-B601DE69E620}"/>
               </a:ext>
             </a:extLst>
           </p:cNvPr>
@@ -2357,7 +2357,7 @@
           <p:cNvPr id="5" name="日期占位符 4">
             <a:extLst>
               <a:ext uri="{FF2B5EF4-FFF2-40B4-BE49-F238E27FC236}">
-                <a16:creationId xmlns:a16="http://schemas.microsoft.com/office/drawing/2014/main" id="{D25F107D-413B-0D68-ED50-E18481FFFE5D}"/>
+                <a16:creationId xmlns:a16="http://schemas.microsoft.com/office/drawing/2014/main" id="{4BDEDDD2-AB74-2271-8BB1-881D8D948EDE}"/>
               </a:ext>
             </a:extLst>
           </p:cNvPr>
@@ -2373,7 +2373,7 @@
           <a:bodyPr/>
           <a:lstStyle/>
           <a:p>
-            <a:fld id="{50F9DFA5-978F-458B-A6C4-4C8593E859B7}" type="datetimeFigureOut">
+            <a:fld id="{A2767F3D-54C1-4FFC-B0D8-18C57FCA6E0A}" type="datetimeFigureOut">
               <a:rPr lang="zh-CN" altLang="en-US" smtClean="0"/>
               <a:t>2024/3/10</a:t>
             </a:fld>
@@ -2386,7 +2386,7 @@
           <p:cNvPr id="6" name="页脚占位符 5">
             <a:extLst>
               <a:ext uri="{FF2B5EF4-FFF2-40B4-BE49-F238E27FC236}">
-                <a16:creationId xmlns:a16="http://schemas.microsoft.com/office/drawing/2014/main" id="{B513B4FB-706C-DE4F-EC21-E95D74598512}"/>
+                <a16:creationId xmlns:a16="http://schemas.microsoft.com/office/drawing/2014/main" id="{E706FFF3-A006-4562-3022-FA0D9458F0C3}"/>
               </a:ext>
             </a:extLst>
           </p:cNvPr>
@@ -2411,7 +2411,7 @@
           <p:cNvPr id="7" name="灯片编号占位符 6">
             <a:extLst>
               <a:ext uri="{FF2B5EF4-FFF2-40B4-BE49-F238E27FC236}">
-                <a16:creationId xmlns:a16="http://schemas.microsoft.com/office/drawing/2014/main" id="{3788B0DD-BB7B-483A-A614-39F92C6BEE50}"/>
+                <a16:creationId xmlns:a16="http://schemas.microsoft.com/office/drawing/2014/main" id="{93350918-8082-A983-C6F4-2F616A21CDE9}"/>
               </a:ext>
             </a:extLst>
           </p:cNvPr>
@@ -2427,7 +2427,7 @@
           <a:bodyPr/>
           <a:lstStyle/>
           <a:p>
-            <a:fld id="{1B7E287E-90F5-49F0-A079-8E81BD63012F}" type="slidenum">
+            <a:fld id="{8088F929-93A9-461D-820C-275122354563}" type="slidenum">
               <a:rPr lang="zh-CN" altLang="en-US" smtClean="0"/>
               <a:t>‹#›</a:t>
             </a:fld>
@@ -2438,7 +2438,7 @@
     </p:spTree>
     <p:extLst>
       <p:ext uri="{BB962C8B-B14F-4D97-AF65-F5344CB8AC3E}">
-        <p14:creationId xmlns:p14="http://schemas.microsoft.com/office/powerpoint/2010/main" val="1216443770"/>
+        <p14:creationId xmlns:p14="http://schemas.microsoft.com/office/powerpoint/2010/main" val="3868532158"/>
       </p:ext>
     </p:extLst>
   </p:cSld>
@@ -2470,7 +2470,7 @@
           <p:cNvPr id="2" name="标题 1">
             <a:extLst>
               <a:ext uri="{FF2B5EF4-FFF2-40B4-BE49-F238E27FC236}">
-                <a16:creationId xmlns:a16="http://schemas.microsoft.com/office/drawing/2014/main" id="{C94089E4-0BB2-0690-1A9D-6A3D5827C258}"/>
+                <a16:creationId xmlns:a16="http://schemas.microsoft.com/office/drawing/2014/main" id="{4EF7E309-64F5-58DE-4387-8C5FAF2570EA}"/>
               </a:ext>
             </a:extLst>
           </p:cNvPr>
@@ -2507,7 +2507,7 @@
           <p:cNvPr id="3" name="图片占位符 2">
             <a:extLst>
               <a:ext uri="{FF2B5EF4-FFF2-40B4-BE49-F238E27FC236}">
-                <a16:creationId xmlns:a16="http://schemas.microsoft.com/office/drawing/2014/main" id="{5225B0D1-A2D4-5894-4244-4C3756F42E4F}"/>
+                <a16:creationId xmlns:a16="http://schemas.microsoft.com/office/drawing/2014/main" id="{8AE43E08-9371-7096-B334-006DE74606E7}"/>
               </a:ext>
             </a:extLst>
           </p:cNvPr>
@@ -2574,7 +2574,7 @@
           <p:cNvPr id="4" name="文本占位符 3">
             <a:extLst>
               <a:ext uri="{FF2B5EF4-FFF2-40B4-BE49-F238E27FC236}">
-                <a16:creationId xmlns:a16="http://schemas.microsoft.com/office/drawing/2014/main" id="{72F2C887-D6F4-9681-7873-AC5B3F770592}"/>
+                <a16:creationId xmlns:a16="http://schemas.microsoft.com/office/drawing/2014/main" id="{92AFF0E9-FB0C-68A8-4060-D3AD451356FF}"/>
               </a:ext>
             </a:extLst>
           </p:cNvPr>
@@ -2645,7 +2645,7 @@
           <p:cNvPr id="5" name="日期占位符 4">
             <a:extLst>
               <a:ext uri="{FF2B5EF4-FFF2-40B4-BE49-F238E27FC236}">
-                <a16:creationId xmlns:a16="http://schemas.microsoft.com/office/drawing/2014/main" id="{54376301-5CBC-1F8A-67F3-8EC9791D6D37}"/>
+                <a16:creationId xmlns:a16="http://schemas.microsoft.com/office/drawing/2014/main" id="{06500479-86AB-B4D7-DBA7-99F9030E5E83}"/>
               </a:ext>
             </a:extLst>
           </p:cNvPr>
@@ -2661,7 +2661,7 @@
           <a:bodyPr/>
           <a:lstStyle/>
           <a:p>
-            <a:fld id="{50F9DFA5-978F-458B-A6C4-4C8593E859B7}" type="datetimeFigureOut">
+            <a:fld id="{A2767F3D-54C1-4FFC-B0D8-18C57FCA6E0A}" type="datetimeFigureOut">
               <a:rPr lang="zh-CN" altLang="en-US" smtClean="0"/>
               <a:t>2024/3/10</a:t>
             </a:fld>
@@ -2674,7 +2674,7 @@
           <p:cNvPr id="6" name="页脚占位符 5">
             <a:extLst>
               <a:ext uri="{FF2B5EF4-FFF2-40B4-BE49-F238E27FC236}">
-                <a16:creationId xmlns:a16="http://schemas.microsoft.com/office/drawing/2014/main" id="{CDADC132-2F85-8A8E-3854-7FE7AB2D28AD}"/>
+                <a16:creationId xmlns:a16="http://schemas.microsoft.com/office/drawing/2014/main" id="{0CC1DDD0-F33F-DA5C-F0DB-1711EA93CBB3}"/>
               </a:ext>
             </a:extLst>
           </p:cNvPr>
@@ -2699,7 +2699,7 @@
           <p:cNvPr id="7" name="灯片编号占位符 6">
             <a:extLst>
               <a:ext uri="{FF2B5EF4-FFF2-40B4-BE49-F238E27FC236}">
-                <a16:creationId xmlns:a16="http://schemas.microsoft.com/office/drawing/2014/main" id="{0D0800EA-7E23-A443-AF91-ED72D8FFCB69}"/>
+                <a16:creationId xmlns:a16="http://schemas.microsoft.com/office/drawing/2014/main" id="{263DD750-ED06-84D7-C521-5C4E7D6BFCD6}"/>
               </a:ext>
             </a:extLst>
           </p:cNvPr>
@@ -2715,7 +2715,7 @@
           <a:bodyPr/>
           <a:lstStyle/>
           <a:p>
-            <a:fld id="{1B7E287E-90F5-49F0-A079-8E81BD63012F}" type="slidenum">
+            <a:fld id="{8088F929-93A9-461D-820C-275122354563}" type="slidenum">
               <a:rPr lang="zh-CN" altLang="en-US" smtClean="0"/>
               <a:t>‹#›</a:t>
             </a:fld>
@@ -2726,7 +2726,7 @@
     </p:spTree>
     <p:extLst>
       <p:ext uri="{BB962C8B-B14F-4D97-AF65-F5344CB8AC3E}">
-        <p14:creationId xmlns:p14="http://schemas.microsoft.com/office/powerpoint/2010/main" val="27531844"/>
+        <p14:creationId xmlns:p14="http://schemas.microsoft.com/office/powerpoint/2010/main" val="618272990"/>
       </p:ext>
     </p:extLst>
   </p:cSld>
@@ -2763,7 +2763,7 @@
           <p:cNvPr id="2" name="标题占位符 1">
             <a:extLst>
               <a:ext uri="{FF2B5EF4-FFF2-40B4-BE49-F238E27FC236}">
-                <a16:creationId xmlns:a16="http://schemas.microsoft.com/office/drawing/2014/main" id="{AD9DD670-8AA8-6EB7-8E89-DD4FC4C7E616}"/>
+                <a16:creationId xmlns:a16="http://schemas.microsoft.com/office/drawing/2014/main" id="{9BD49D3B-7DB2-B13B-40FC-EC26863FF8FF}"/>
               </a:ext>
             </a:extLst>
           </p:cNvPr>
@@ -2801,7 +2801,7 @@
           <p:cNvPr id="3" name="文本占位符 2">
             <a:extLst>
               <a:ext uri="{FF2B5EF4-FFF2-40B4-BE49-F238E27FC236}">
-                <a16:creationId xmlns:a16="http://schemas.microsoft.com/office/drawing/2014/main" id="{CB25BF71-4B90-0CF2-2A5C-36096C63CDD8}"/>
+                <a16:creationId xmlns:a16="http://schemas.microsoft.com/office/drawing/2014/main" id="{52187C40-1B08-93B4-3970-ED4668165CC9}"/>
               </a:ext>
             </a:extLst>
           </p:cNvPr>
@@ -2868,7 +2868,7 @@
           <p:cNvPr id="4" name="日期占位符 3">
             <a:extLst>
               <a:ext uri="{FF2B5EF4-FFF2-40B4-BE49-F238E27FC236}">
-                <a16:creationId xmlns:a16="http://schemas.microsoft.com/office/drawing/2014/main" id="{B4954F02-B7C4-30AF-90BF-B113D12A51A2}"/>
+                <a16:creationId xmlns:a16="http://schemas.microsoft.com/office/drawing/2014/main" id="{7011F1AE-CCF3-E91D-6040-60F4BBC1EAC5}"/>
               </a:ext>
             </a:extLst>
           </p:cNvPr>
@@ -2902,7 +2902,7 @@
             </a:lvl1pPr>
           </a:lstStyle>
           <a:p>
-            <a:fld id="{50F9DFA5-978F-458B-A6C4-4C8593E859B7}" type="datetimeFigureOut">
+            <a:fld id="{A2767F3D-54C1-4FFC-B0D8-18C57FCA6E0A}" type="datetimeFigureOut">
               <a:rPr lang="zh-CN" altLang="en-US" smtClean="0"/>
               <a:t>2024/3/10</a:t>
             </a:fld>
@@ -2915,7 +2915,7 @@
           <p:cNvPr id="5" name="页脚占位符 4">
             <a:extLst>
               <a:ext uri="{FF2B5EF4-FFF2-40B4-BE49-F238E27FC236}">
-                <a16:creationId xmlns:a16="http://schemas.microsoft.com/office/drawing/2014/main" id="{90C51ED3-662E-5999-DA48-4DE8B533C3AE}"/>
+                <a16:creationId xmlns:a16="http://schemas.microsoft.com/office/drawing/2014/main" id="{B0F13846-2A77-EEE1-D475-525FBE7A8B00}"/>
               </a:ext>
             </a:extLst>
           </p:cNvPr>
@@ -2958,7 +2958,7 @@
           <p:cNvPr id="6" name="灯片编号占位符 5">
             <a:extLst>
               <a:ext uri="{FF2B5EF4-FFF2-40B4-BE49-F238E27FC236}">
-                <a16:creationId xmlns:a16="http://schemas.microsoft.com/office/drawing/2014/main" id="{828E7351-8B13-FEB3-AE45-E4158D583E0B}"/>
+                <a16:creationId xmlns:a16="http://schemas.microsoft.com/office/drawing/2014/main" id="{74797CDD-31C9-ABD4-F4AA-67C3BBA97F69}"/>
               </a:ext>
             </a:extLst>
           </p:cNvPr>
@@ -2992,7 +2992,7 @@
             </a:lvl1pPr>
           </a:lstStyle>
           <a:p>
-            <a:fld id="{1B7E287E-90F5-49F0-A079-8E81BD63012F}" type="slidenum">
+            <a:fld id="{8088F929-93A9-461D-820C-275122354563}" type="slidenum">
               <a:rPr lang="zh-CN" altLang="en-US" smtClean="0"/>
               <a:t>‹#›</a:t>
             </a:fld>
@@ -3003,7 +3003,7 @@
     </p:spTree>
     <p:extLst>
       <p:ext uri="{BB962C8B-B14F-4D97-AF65-F5344CB8AC3E}">
-        <p14:creationId xmlns:p14="http://schemas.microsoft.com/office/powerpoint/2010/main" val="2490550467"/>
+        <p14:creationId xmlns:p14="http://schemas.microsoft.com/office/powerpoint/2010/main" val="1565960626"/>
       </p:ext>
     </p:extLst>
   </p:cSld>
